--- a/docs/slides/iot313R3_builder_slides.pptx
+++ b/docs/slides/iot313R3_builder_slides.pptx
@@ -284,7 +284,7 @@
                 <a:ea typeface="Amazon Ember" panose="020B0603020204020204" pitchFamily="34" charset="0"/>
                 <a:cs typeface="Amazon Ember" panose="020B0603020204020204" pitchFamily="34" charset="0"/>
               </a:rPr>
-              <a:t>11/25/18 9:27 AM</a:t>
+              <a:t>11/26/18 3:21 PM</a:t>
             </a:fld>
             <a:endParaRPr lang="en-US" dirty="0">
               <a:latin typeface="Amazon Ember" panose="020B0603020204020204" pitchFamily="34" charset="0"/>
@@ -569,7 +569,7 @@
             <a:fld id="{CA8E1BB1-B036-4140-B110-296DC0701D04}" type="datetime8">
               <a:rPr lang="en-US" smtClean="0"/>
               <a:pPr/>
-              <a:t>11/25/18 9:27 AM</a:t>
+              <a:t>11/26/18 3:21 PM</a:t>
             </a:fld>
             <a:endParaRPr lang="en-US" dirty="0"/>
           </a:p>
@@ -932,7 +932,7 @@
           <a:p>
             <a:fld id="{7785AE33-8762-CB48-8069-61FC714534F0}" type="datetime8">
               <a:rPr lang="en-US" smtClean="0"/>
-              <a:t>11/25/18 9:27 AM</a:t>
+              <a:t>11/26/18 3:21 PM</a:t>
             </a:fld>
             <a:endParaRPr lang="en-US" dirty="0"/>
           </a:p>
@@ -1097,7 +1097,7 @@
           <a:p>
             <a:fld id="{01882E56-9BBC-5549-962E-8E06798B1869}" type="datetime8">
               <a:rPr lang="en-US" smtClean="0"/>
-              <a:t>11/25/18 9:30 AM</a:t>
+              <a:t>11/26/18 3:21 PM</a:t>
             </a:fld>
             <a:endParaRPr lang="en-US" dirty="0"/>
           </a:p>
@@ -9757,24 +9757,24 @@
           <a:p>
             <a:r>
               <a:rPr lang="en-US" dirty="0"/>
-              <a:t>Rob </a:t>
+              <a:t>Amit </a:t>
             </a:r>
             <a:r>
               <a:rPr lang="en-US" dirty="0" err="1"/>
-              <a:t>Marano</a:t>
+              <a:t>Mhatre</a:t>
             </a:r>
             <a:endParaRPr lang="en-US" dirty="0"/>
           </a:p>
           <a:p>
             <a:r>
               <a:rPr lang="en-US" dirty="0"/>
-              <a:t>Principal Consultant</a:t>
-            </a:r>
-          </a:p>
-          <a:p>
-            <a:r>
-              <a:rPr lang="en-US" dirty="0"/>
-              <a:t>Professional Services</a:t>
+              <a:t>Sr SW Dev Engineer</a:t>
+            </a:r>
+          </a:p>
+          <a:p>
+            <a:r>
+              <a:rPr lang="en-US" dirty="0"/>
+              <a:t>Device Defender Group</a:t>
             </a:r>
           </a:p>
           <a:p>
@@ -9905,7 +9905,7 @@
               <a:rPr lang="en-US" dirty="0">
                 <a:hlinkClick r:id="rId2"/>
               </a:rPr>
-              <a:t>https://github.com/aws-samples/aws-iot-device-defender-workshop/blob/master/docs/builder_session</a:t>
+              <a:t>https://github.com/aws-samples/aws-iot-device-defender-workshop/blob/master/docs/builder_session.md</a:t>
             </a:r>
             <a:endParaRPr lang="en-US" dirty="0"/>
           </a:p>
@@ -9959,7 +9959,7 @@
     </p:spTree>
     <p:extLst>
       <p:ext uri="{BB962C8B-B14F-4D97-AF65-F5344CB8AC3E}">
-        <p14:creationId xmlns:p14="http://schemas.microsoft.com/office/powerpoint/2010/main" val="1915094087"/>
+        <p14:creationId xmlns:p14="http://schemas.microsoft.com/office/powerpoint/2010/main" val="3469652796"/>
       </p:ext>
     </p:extLst>
   </p:cSld>
@@ -10012,20 +10012,38 @@
           <a:p>
             <a:r>
               <a:rPr lang="en-US" dirty="0"/>
-              <a:t>Rob </a:t>
+              <a:t>Amit </a:t>
             </a:r>
             <a:r>
               <a:rPr lang="en-US" dirty="0" err="1"/>
-              <a:t>Marano</a:t>
+              <a:t>Mhatre</a:t>
             </a:r>
             <a:endParaRPr lang="en-US" dirty="0"/>
+          </a:p>
+          <a:p>
+            <a:r>
+              <a:rPr lang="en-US" dirty="0"/>
+              <a:t>Sr SW Dev Engineer</a:t>
+            </a:r>
+          </a:p>
+          <a:p>
+            <a:r>
+              <a:rPr lang="en-US" dirty="0"/>
+              <a:t>Device Defender Group</a:t>
+            </a:r>
+          </a:p>
+          <a:p>
+            <a:r>
+              <a:rPr lang="en-US" dirty="0"/>
+              <a:t>AWS</a:t>
+            </a:r>
           </a:p>
         </p:txBody>
       </p:sp>
     </p:spTree>
     <p:extLst>
       <p:ext uri="{BB962C8B-B14F-4D97-AF65-F5344CB8AC3E}">
-        <p14:creationId xmlns:p14="http://schemas.microsoft.com/office/powerpoint/2010/main" val="2017168905"/>
+        <p14:creationId xmlns:p14="http://schemas.microsoft.com/office/powerpoint/2010/main" val="3123727739"/>
       </p:ext>
     </p:extLst>
   </p:cSld>
@@ -10058,7 +10076,7 @@
     </p:spTree>
     <p:extLst>
       <p:ext uri="{BB962C8B-B14F-4D97-AF65-F5344CB8AC3E}">
-        <p14:creationId xmlns:p14="http://schemas.microsoft.com/office/powerpoint/2010/main" val="1496734469"/>
+        <p14:creationId xmlns:p14="http://schemas.microsoft.com/office/powerpoint/2010/main" val="2086345359"/>
       </p:ext>
     </p:extLst>
   </p:cSld>
